--- a/doc/Task09/architecture .pptx
+++ b/doc/Task09/architecture .pptx
@@ -6,6 +6,7 @@
   </p:sldMasterIdLst>
   <p:sldIdLst>
     <p:sldId id="256" r:id="rId2"/>
+    <p:sldId id="257" r:id="rId3"/>
   </p:sldIdLst>
   <p:sldSz cx="12192000" cy="6858000"/>
   <p:notesSz cx="6858000" cy="9144000"/>
@@ -3894,6 +3895,77 @@
 </p:sld>
 </file>
 
+<file path=ppt/slides/slide2.xml><?xml version="1.0" encoding="utf-8"?>
+<p:sld xmlns:a="http://schemas.openxmlformats.org/drawingml/2006/main" xmlns:r="http://schemas.openxmlformats.org/officeDocument/2006/relationships" xmlns:p="http://schemas.openxmlformats.org/presentationml/2006/main">
+  <p:cSld>
+    <p:spTree>
+      <p:nvGrpSpPr>
+        <p:cNvPr id="1" name=""/>
+        <p:cNvGrpSpPr/>
+        <p:nvPr/>
+      </p:nvGrpSpPr>
+      <p:grpSpPr>
+        <a:xfrm>
+          <a:off x="0" y="0"/>
+          <a:ext cx="0" cy="0"/>
+          <a:chOff x="0" y="0"/>
+          <a:chExt cx="0" cy="0"/>
+        </a:xfrm>
+      </p:grpSpPr>
+      <p:pic>
+        <p:nvPicPr>
+          <p:cNvPr id="1026" name="Picture 2" descr="C:\Users\Maurice\Desktop\UMLPackage.png"/>
+          <p:cNvPicPr>
+            <a:picLocks noChangeAspect="1" noChangeArrowheads="1"/>
+          </p:cNvPicPr>
+          <p:nvPr/>
+        </p:nvPicPr>
+        <p:blipFill>
+          <a:blip r:embed="rId2">
+            <a:extLst>
+              <a:ext uri="{28A0092B-C50C-407E-A947-70E740481C1C}">
+                <a14:useLocalDpi xmlns:a14="http://schemas.microsoft.com/office/drawing/2010/main" val="0"/>
+              </a:ext>
+            </a:extLst>
+          </a:blip>
+          <a:srcRect/>
+          <a:stretch>
+            <a:fillRect/>
+          </a:stretch>
+        </p:blipFill>
+        <p:spPr bwMode="auto">
+          <a:xfrm rot="5400000">
+            <a:off x="2581427" y="-1051237"/>
+            <a:ext cx="6892334" cy="8926137"/>
+          </a:xfrm>
+          <a:prstGeom prst="rect">
+            <a:avLst/>
+          </a:prstGeom>
+          <a:noFill/>
+          <a:extLst>
+            <a:ext uri="{909E8E84-426E-40DD-AFC4-6F175D3DCCD1}">
+              <a14:hiddenFill xmlns:a14="http://schemas.microsoft.com/office/drawing/2010/main">
+                <a:solidFill>
+                  <a:srgbClr val="FFFFFF"/>
+                </a:solidFill>
+              </a14:hiddenFill>
+            </a:ext>
+          </a:extLst>
+        </p:spPr>
+      </p:pic>
+    </p:spTree>
+    <p:extLst>
+      <p:ext uri="{BB962C8B-B14F-4D97-AF65-F5344CB8AC3E}">
+        <p14:creationId xmlns:p14="http://schemas.microsoft.com/office/powerpoint/2010/main" val="3274133307"/>
+      </p:ext>
+    </p:extLst>
+  </p:cSld>
+  <p:clrMapOvr>
+    <a:masterClrMapping/>
+  </p:clrMapOvr>
+</p:sld>
+</file>
+
 <file path=ppt/theme/theme1.xml><?xml version="1.0" encoding="utf-8"?>
 <a:theme xmlns:a="http://schemas.openxmlformats.org/drawingml/2006/main" name="Office">
   <a:themeElements>
@@ -4149,7 +4221,7 @@
   <a:extraClrSchemeLst/>
   <a:extLst>
     <a:ext uri="{05A4C25C-085E-4340-85A3-A5531E510DB2}">
-      <thm15:themeFamily xmlns:thm15="http://schemas.microsoft.com/office/thememl/2012/main" name="Office Theme" id="{62F939B6-93AF-4DB8-9C6B-D6C7DFDC589F}" vid="{4A3C46E8-61CC-4603-A589-7422A47A8E4A}"/>
+      <thm15:themeFamily xmlns:thm15="http://schemas.microsoft.com/office/thememl/2012/main" xmlns="" name="Office Theme" id="{62F939B6-93AF-4DB8-9C6B-D6C7DFDC589F}" vid="{4A3C46E8-61CC-4603-A589-7422A47A8E4A}"/>
     </a:ext>
   </a:extLst>
 </a:theme>

--- a/doc/Task09/architecture .pptx
+++ b/doc/Task09/architecture .pptx
@@ -105,6 +105,22 @@
       </a:defRPr>
     </a:lvl9pPr>
   </p:defaultTextStyle>
+  <p:extLst>
+    <p:ext uri="{EFAFB233-063F-42B5-8137-9DF3F51BA10A}">
+      <p15:sldGuideLst xmlns:p15="http://schemas.microsoft.com/office/powerpoint/2012/main">
+        <p15:guide id="1" orient="horz" pos="2160">
+          <p15:clr>
+            <a:srgbClr val="A4A3A4"/>
+          </p15:clr>
+        </p15:guide>
+        <p15:guide id="2" pos="3840">
+          <p15:clr>
+            <a:srgbClr val="A4A3A4"/>
+          </p15:clr>
+        </p15:guide>
+      </p15:sldGuideLst>
+    </p:ext>
+  </p:extLst>
 </p:presentation>
 </file>
 
@@ -239,7 +255,7 @@
           <a:p>
             <a:fld id="{545AA1A4-9F02-4FD4-9AA7-33885AD97478}" type="datetimeFigureOut">
               <a:rPr lang="de-CH" smtClean="0"/>
-              <a:t>19.11.2015</a:t>
+              <a:t>20.11.2015</a:t>
             </a:fld>
             <a:endParaRPr lang="de-CH"/>
           </a:p>
@@ -409,7 +425,7 @@
           <a:p>
             <a:fld id="{545AA1A4-9F02-4FD4-9AA7-33885AD97478}" type="datetimeFigureOut">
               <a:rPr lang="de-CH" smtClean="0"/>
-              <a:t>19.11.2015</a:t>
+              <a:t>20.11.2015</a:t>
             </a:fld>
             <a:endParaRPr lang="de-CH"/>
           </a:p>
@@ -589,7 +605,7 @@
           <a:p>
             <a:fld id="{545AA1A4-9F02-4FD4-9AA7-33885AD97478}" type="datetimeFigureOut">
               <a:rPr lang="de-CH" smtClean="0"/>
-              <a:t>19.11.2015</a:t>
+              <a:t>20.11.2015</a:t>
             </a:fld>
             <a:endParaRPr lang="de-CH"/>
           </a:p>
@@ -759,7 +775,7 @@
           <a:p>
             <a:fld id="{545AA1A4-9F02-4FD4-9AA7-33885AD97478}" type="datetimeFigureOut">
               <a:rPr lang="de-CH" smtClean="0"/>
-              <a:t>19.11.2015</a:t>
+              <a:t>20.11.2015</a:t>
             </a:fld>
             <a:endParaRPr lang="de-CH"/>
           </a:p>
@@ -1005,7 +1021,7 @@
           <a:p>
             <a:fld id="{545AA1A4-9F02-4FD4-9AA7-33885AD97478}" type="datetimeFigureOut">
               <a:rPr lang="de-CH" smtClean="0"/>
-              <a:t>19.11.2015</a:t>
+              <a:t>20.11.2015</a:t>
             </a:fld>
             <a:endParaRPr lang="de-CH"/>
           </a:p>
@@ -1237,7 +1253,7 @@
           <a:p>
             <a:fld id="{545AA1A4-9F02-4FD4-9AA7-33885AD97478}" type="datetimeFigureOut">
               <a:rPr lang="de-CH" smtClean="0"/>
-              <a:t>19.11.2015</a:t>
+              <a:t>20.11.2015</a:t>
             </a:fld>
             <a:endParaRPr lang="de-CH"/>
           </a:p>
@@ -1604,7 +1620,7 @@
           <a:p>
             <a:fld id="{545AA1A4-9F02-4FD4-9AA7-33885AD97478}" type="datetimeFigureOut">
               <a:rPr lang="de-CH" smtClean="0"/>
-              <a:t>19.11.2015</a:t>
+              <a:t>20.11.2015</a:t>
             </a:fld>
             <a:endParaRPr lang="de-CH"/>
           </a:p>
@@ -1722,7 +1738,7 @@
           <a:p>
             <a:fld id="{545AA1A4-9F02-4FD4-9AA7-33885AD97478}" type="datetimeFigureOut">
               <a:rPr lang="de-CH" smtClean="0"/>
-              <a:t>19.11.2015</a:t>
+              <a:t>20.11.2015</a:t>
             </a:fld>
             <a:endParaRPr lang="de-CH"/>
           </a:p>
@@ -1817,7 +1833,7 @@
           <a:p>
             <a:fld id="{545AA1A4-9F02-4FD4-9AA7-33885AD97478}" type="datetimeFigureOut">
               <a:rPr lang="de-CH" smtClean="0"/>
-              <a:t>19.11.2015</a:t>
+              <a:t>20.11.2015</a:t>
             </a:fld>
             <a:endParaRPr lang="de-CH"/>
           </a:p>
@@ -2094,7 +2110,7 @@
           <a:p>
             <a:fld id="{545AA1A4-9F02-4FD4-9AA7-33885AD97478}" type="datetimeFigureOut">
               <a:rPr lang="de-CH" smtClean="0"/>
-              <a:t>19.11.2015</a:t>
+              <a:t>20.11.2015</a:t>
             </a:fld>
             <a:endParaRPr lang="de-CH"/>
           </a:p>
@@ -2347,7 +2363,7 @@
           <a:p>
             <a:fld id="{545AA1A4-9F02-4FD4-9AA7-33885AD97478}" type="datetimeFigureOut">
               <a:rPr lang="de-CH" smtClean="0"/>
-              <a:t>19.11.2015</a:t>
+              <a:t>20.11.2015</a:t>
             </a:fld>
             <a:endParaRPr lang="de-CH"/>
           </a:p>
@@ -2560,7 +2576,7 @@
           <a:p>
             <a:fld id="{545AA1A4-9F02-4FD4-9AA7-33885AD97478}" type="datetimeFigureOut">
               <a:rPr lang="de-CH" smtClean="0"/>
-              <a:t>19.11.2015</a:t>
+              <a:t>20.11.2015</a:t>
             </a:fld>
             <a:endParaRPr lang="de-CH"/>
           </a:p>
@@ -3264,7 +3280,7 @@
         <p:spPr>
           <a:xfrm>
             <a:off x="2274948" y="2834633"/>
-            <a:ext cx="1667691" cy="576000"/>
+            <a:ext cx="1365719" cy="576000"/>
           </a:xfrm>
           <a:prstGeom prst="rect">
             <a:avLst/>
@@ -3315,8 +3331,8 @@
         </p:nvSpPr>
         <p:spPr>
           <a:xfrm>
-            <a:off x="4288968" y="2834633"/>
-            <a:ext cx="1667691" cy="576000"/>
+            <a:off x="3831769" y="2830786"/>
+            <a:ext cx="1316086" cy="576000"/>
           </a:xfrm>
           <a:prstGeom prst="rect">
             <a:avLst/>
@@ -3367,8 +3383,8 @@
         </p:nvSpPr>
         <p:spPr>
           <a:xfrm>
-            <a:off x="6302988" y="2834633"/>
-            <a:ext cx="1667691" cy="576000"/>
+            <a:off x="5370853" y="2827956"/>
+            <a:ext cx="1299913" cy="576000"/>
           </a:xfrm>
           <a:prstGeom prst="rect">
             <a:avLst/>
@@ -3879,6 +3895,58 @@
                 <a:schemeClr val="bg1"/>
               </a:solidFill>
             </a:endParaRPr>
+          </a:p>
+        </p:txBody>
+      </p:sp>
+      <p:sp>
+        <p:nvSpPr>
+          <p:cNvPr id="22" name="Rechteck 21"/>
+          <p:cNvSpPr/>
+          <p:nvPr/>
+        </p:nvSpPr>
+        <p:spPr>
+          <a:xfrm>
+            <a:off x="6867947" y="2834633"/>
+            <a:ext cx="1299913" cy="576000"/>
+          </a:xfrm>
+          <a:prstGeom prst="rect">
+            <a:avLst/>
+          </a:prstGeom>
+          <a:solidFill>
+            <a:srgbClr val="C00000"/>
+          </a:solidFill>
+          <a:ln>
+            <a:solidFill>
+              <a:srgbClr val="C00000"/>
+            </a:solidFill>
+          </a:ln>
+        </p:spPr>
+        <p:style>
+          <a:lnRef idx="2">
+            <a:schemeClr val="accent2">
+              <a:shade val="50000"/>
+            </a:schemeClr>
+          </a:lnRef>
+          <a:fillRef idx="1">
+            <a:schemeClr val="accent2"/>
+          </a:fillRef>
+          <a:effectRef idx="0">
+            <a:schemeClr val="accent2"/>
+          </a:effectRef>
+          <a:fontRef idx="minor">
+            <a:schemeClr val="lt1"/>
+          </a:fontRef>
+        </p:style>
+        <p:txBody>
+          <a:bodyPr rtlCol="0" anchor="ctr"/>
+          <a:lstStyle/>
+          <a:p>
+            <a:pPr algn="ctr"/>
+            <a:r>
+              <a:rPr lang="de-CH" dirty="0" smtClean="0"/>
+              <a:t>Patient</a:t>
+            </a:r>
+            <a:endParaRPr lang="de-CH" dirty="0"/>
           </a:p>
         </p:txBody>
       </p:sp>
@@ -4221,7 +4289,7 @@
   <a:extraClrSchemeLst/>
   <a:extLst>
     <a:ext uri="{05A4C25C-085E-4340-85A3-A5531E510DB2}">
-      <thm15:themeFamily xmlns:thm15="http://schemas.microsoft.com/office/thememl/2012/main" xmlns="" name="Office Theme" id="{62F939B6-93AF-4DB8-9C6B-D6C7DFDC589F}" vid="{4A3C46E8-61CC-4603-A589-7422A47A8E4A}"/>
+      <thm15:themeFamily xmlns:thm15="http://schemas.microsoft.com/office/thememl/2012/main" name="Office Theme" id="{62F939B6-93AF-4DB8-9C6B-D6C7DFDC589F}" vid="{4A3C46E8-61CC-4603-A589-7422A47A8E4A}"/>
     </a:ext>
   </a:extLst>
 </a:theme>
